--- a/notes/17-unsupervised-learning.pptx
+++ b/notes/17-unsupervised-learning.pptx
@@ -5,7 +5,7 @@
     <p:sldMasterId id="2147483660" r:id="rId1"/>
   </p:sldMasterIdLst>
   <p:notesMasterIdLst>
-    <p:notesMasterId r:id="rId22"/>
+    <p:notesMasterId r:id="rId24"/>
   </p:notesMasterIdLst>
   <p:sldIdLst>
     <p:sldId id="256" r:id="rId2"/>
@@ -19,15 +19,17 @@
     <p:sldId id="264" r:id="rId10"/>
     <p:sldId id="265" r:id="rId11"/>
     <p:sldId id="266" r:id="rId12"/>
-    <p:sldId id="267" r:id="rId13"/>
-    <p:sldId id="268" r:id="rId14"/>
-    <p:sldId id="269" r:id="rId15"/>
-    <p:sldId id="270" r:id="rId16"/>
-    <p:sldId id="271" r:id="rId17"/>
-    <p:sldId id="272" r:id="rId18"/>
-    <p:sldId id="273" r:id="rId19"/>
-    <p:sldId id="274" r:id="rId20"/>
-    <p:sldId id="277" r:id="rId21"/>
+    <p:sldId id="278" r:id="rId13"/>
+    <p:sldId id="279" r:id="rId14"/>
+    <p:sldId id="267" r:id="rId15"/>
+    <p:sldId id="268" r:id="rId16"/>
+    <p:sldId id="269" r:id="rId17"/>
+    <p:sldId id="270" r:id="rId18"/>
+    <p:sldId id="271" r:id="rId19"/>
+    <p:sldId id="272" r:id="rId20"/>
+    <p:sldId id="273" r:id="rId21"/>
+    <p:sldId id="274" r:id="rId22"/>
+    <p:sldId id="277" r:id="rId23"/>
   </p:sldIdLst>
   <p:sldSz cx="9144000" cy="6858000" type="screen4x3"/>
   <p:notesSz cx="6858000" cy="9144000"/>
@@ -1849,7 +1851,7 @@
             </a:pPr>
             <a:fld id="{00000000-1234-1234-1234-123412341234}" type="slidenum">
               <a:rPr lang="en-US"/>
-              <a:t>12</a:t>
+              <a:t>14</a:t>
             </a:fld>
             <a:endParaRPr sz="1400"/>
           </a:p>
@@ -1999,7 +2001,7 @@
             </a:pPr>
             <a:fld id="{00000000-1234-1234-1234-123412341234}" type="slidenum">
               <a:rPr lang="en-US"/>
-              <a:t>13</a:t>
+              <a:t>15</a:t>
             </a:fld>
             <a:endParaRPr sz="1400"/>
           </a:p>
@@ -2149,7 +2151,7 @@
             </a:pPr>
             <a:fld id="{00000000-1234-1234-1234-123412341234}" type="slidenum">
               <a:rPr lang="en-US"/>
-              <a:t>14</a:t>
+              <a:t>16</a:t>
             </a:fld>
             <a:endParaRPr sz="1400"/>
           </a:p>
@@ -2295,7 +2297,7 @@
             </a:pPr>
             <a:fld id="{00000000-1234-1234-1234-123412341234}" type="slidenum">
               <a:rPr lang="en-US"/>
-              <a:t>15</a:t>
+              <a:t>17</a:t>
             </a:fld>
             <a:endParaRPr sz="1400"/>
           </a:p>
@@ -2445,7 +2447,7 @@
             </a:pPr>
             <a:fld id="{00000000-1234-1234-1234-123412341234}" type="slidenum">
               <a:rPr lang="en-US"/>
-              <a:t>16</a:t>
+              <a:t>18</a:t>
             </a:fld>
             <a:endParaRPr sz="1400"/>
           </a:p>
@@ -2591,7 +2593,7 @@
             </a:pPr>
             <a:fld id="{00000000-1234-1234-1234-123412341234}" type="slidenum">
               <a:rPr lang="en-US"/>
-              <a:t>17</a:t>
+              <a:t>19</a:t>
             </a:fld>
             <a:endParaRPr sz="1400"/>
           </a:p>
@@ -2737,7 +2739,7 @@
             </a:pPr>
             <a:fld id="{00000000-1234-1234-1234-123412341234}" type="slidenum">
               <a:rPr lang="en-US"/>
-              <a:t>18</a:t>
+              <a:t>20</a:t>
             </a:fld>
             <a:endParaRPr sz="1400"/>
           </a:p>
@@ -2887,7 +2889,7 @@
             </a:pPr>
             <a:fld id="{00000000-1234-1234-1234-123412341234}" type="slidenum">
               <a:rPr lang="en-US"/>
-              <a:t>19</a:t>
+              <a:t>21</a:t>
             </a:fld>
             <a:endParaRPr sz="1400"/>
           </a:p>
@@ -4856,110 +4858,6 @@
 </file>
 
 <file path=ppt/slideLayouts/slideLayout11.xml><?xml version="1.0" encoding="utf-8"?>
-<p:sldLayout xmlns:a="http://schemas.openxmlformats.org/drawingml/2006/main" xmlns:r="http://schemas.openxmlformats.org/officeDocument/2006/relationships" xmlns:p="http://schemas.openxmlformats.org/presentationml/2006/main" matchingName="Blank" type="blank">
-  <p:cSld name="BLANK">
-    <p:spTree>
-      <p:nvGrpSpPr>
-        <p:cNvPr id="1" name="Shape 52"/>
-        <p:cNvGrpSpPr/>
-        <p:nvPr/>
-      </p:nvGrpSpPr>
-      <p:grpSpPr>
-        <a:xfrm>
-          <a:off x="0" y="0"/>
-          <a:ext cx="0" cy="0"/>
-          <a:chOff x="0" y="0"/>
-          <a:chExt cx="0" cy="0"/>
-        </a:xfrm>
-      </p:grpSpPr>
-      <p:sp>
-        <p:nvSpPr>
-          <p:cNvPr id="53" name="Shape 53"/>
-          <p:cNvSpPr txBox="1">
-            <a:spLocks noGrp="1"/>
-          </p:cNvSpPr>
-          <p:nvPr>
-            <p:ph type="sldNum" idx="12"/>
-          </p:nvPr>
-        </p:nvSpPr>
-        <p:spPr>
-          <a:xfrm>
-            <a:off x="8472458" y="6217622"/>
-            <a:ext cx="548700" cy="524700"/>
-          </a:xfrm>
-          <a:prstGeom prst="rect">
-            <a:avLst/>
-          </a:prstGeom>
-        </p:spPr>
-        <p:txBody>
-          <a:bodyPr spcFirstLastPara="1" wrap="square" lIns="91425" tIns="91425" rIns="91425" bIns="91425" anchor="ctr" anchorCtr="0">
-            <a:noAutofit/>
-          </a:bodyPr>
-          <a:lstStyle>
-            <a:lvl1pPr lvl="0">
-              <a:buNone/>
-              <a:defRPr/>
-            </a:lvl1pPr>
-            <a:lvl2pPr lvl="1">
-              <a:buNone/>
-              <a:defRPr/>
-            </a:lvl2pPr>
-            <a:lvl3pPr lvl="2">
-              <a:buNone/>
-              <a:defRPr/>
-            </a:lvl3pPr>
-            <a:lvl4pPr lvl="3">
-              <a:buNone/>
-              <a:defRPr/>
-            </a:lvl4pPr>
-            <a:lvl5pPr lvl="4">
-              <a:buNone/>
-              <a:defRPr/>
-            </a:lvl5pPr>
-            <a:lvl6pPr lvl="5">
-              <a:buNone/>
-              <a:defRPr/>
-            </a:lvl6pPr>
-            <a:lvl7pPr lvl="6">
-              <a:buNone/>
-              <a:defRPr/>
-            </a:lvl7pPr>
-            <a:lvl8pPr lvl="7">
-              <a:buNone/>
-              <a:defRPr/>
-            </a:lvl8pPr>
-            <a:lvl9pPr lvl="8">
-              <a:buNone/>
-              <a:defRPr/>
-            </a:lvl9pPr>
-          </a:lstStyle>
-          <a:p>
-            <a:pPr marL="0" lvl="0" indent="0">
-              <a:spcBef>
-                <a:spcPts val="0"/>
-              </a:spcBef>
-              <a:spcAft>
-                <a:spcPts val="0"/>
-              </a:spcAft>
-              <a:buNone/>
-            </a:pPr>
-            <a:fld id="{00000000-1234-1234-1234-123412341234}" type="slidenum">
-              <a:rPr lang="en-US"/>
-              <a:t>‹#›</a:t>
-            </a:fld>
-            <a:endParaRPr/>
-          </a:p>
-        </p:txBody>
-      </p:sp>
-    </p:spTree>
-  </p:cSld>
-  <p:clrMapOvr>
-    <a:masterClrMapping/>
-  </p:clrMapOvr>
-</p:sldLayout>
-</file>
-
-<file path=ppt/slideLayouts/slideLayout12.xml><?xml version="1.0" encoding="utf-8"?>
 <p:sldLayout xmlns:a="http://schemas.openxmlformats.org/drawingml/2006/main" xmlns:r="http://schemas.openxmlformats.org/officeDocument/2006/relationships" xmlns:p="http://schemas.openxmlformats.org/presentationml/2006/main" matchingName="Title, text on left, text on right">
   <p:cSld name="TITLE_AND_TWO_COLUMNS_1">
     <p:spTree>
@@ -8849,8 +8747,7 @@
     <p:sldLayoutId id="2147483655" r:id="rId8"/>
     <p:sldLayoutId id="2147483656" r:id="rId9"/>
     <p:sldLayoutId id="2147483657" r:id="rId10"/>
-    <p:sldLayoutId id="2147483658" r:id="rId11"/>
-    <p:sldLayoutId id="2147483659" r:id="rId12"/>
+    <p:sldLayoutId id="2147483659" r:id="rId11"/>
   </p:sldLayoutIdLst>
   <p:hf sldNum="0" hdr="0" ftr="0" dt="0"/>
   <p:txStyles>
@@ -9734,6 +9631,13 @@
   <p:clrMapOvr>
     <a:masterClrMapping/>
   </p:clrMapOvr>
+  <p:timing>
+    <p:tnLst>
+      <p:par>
+        <p:cTn id="1" dur="indefinite" restart="never" nodeType="tmRoot"/>
+      </p:par>
+    </p:tnLst>
+  </p:timing>
 </p:sld>
 </file>
 
@@ -10280,10 +10184,476 @@
   <p:clrMapOvr>
     <a:masterClrMapping/>
   </p:clrMapOvr>
+  <p:timing>
+    <p:tnLst>
+      <p:par>
+        <p:cTn id="1" dur="indefinite" restart="never" nodeType="tmRoot"/>
+      </p:par>
+    </p:tnLst>
+  </p:timing>
 </p:sld>
 </file>
 
 <file path=ppt/slides/slide12.xml><?xml version="1.0" encoding="utf-8"?>
+<p:sld xmlns:a="http://schemas.openxmlformats.org/drawingml/2006/main" xmlns:r="http://schemas.openxmlformats.org/officeDocument/2006/relationships" xmlns:p="http://schemas.openxmlformats.org/presentationml/2006/main">
+  <p:cSld>
+    <p:spTree>
+      <p:nvGrpSpPr>
+        <p:cNvPr id="1" name=""/>
+        <p:cNvGrpSpPr/>
+        <p:nvPr/>
+      </p:nvGrpSpPr>
+      <p:grpSpPr>
+        <a:xfrm>
+          <a:off x="0" y="0"/>
+          <a:ext cx="0" cy="0"/>
+          <a:chOff x="0" y="0"/>
+          <a:chExt cx="0" cy="0"/>
+        </a:xfrm>
+      </p:grpSpPr>
+      <p:sp>
+        <p:nvSpPr>
+          <p:cNvPr id="2" name="Title 1"/>
+          <p:cNvSpPr>
+            <a:spLocks noGrp="1"/>
+          </p:cNvSpPr>
+          <p:nvPr>
+            <p:ph type="title"/>
+          </p:nvPr>
+        </p:nvSpPr>
+        <p:spPr/>
+        <p:txBody>
+          <a:bodyPr/>
+          <a:lstStyle/>
+          <a:p>
+            <a:r>
+              <a:rPr lang="en-US" dirty="0" smtClean="0">
+                <a:hlinkClick r:id="rId2"/>
+              </a:rPr>
+              <a:t>Elbow method demo</a:t>
+            </a:r>
+            <a:r>
+              <a:rPr lang="en-US" dirty="0" smtClean="0"/>
+              <a:t/>
+            </a:r>
+            <a:br>
+              <a:rPr lang="en-US" dirty="0" smtClean="0"/>
+            </a:br>
+            <a:r>
+              <a:rPr lang="en-US" dirty="0" smtClean="0">
+                <a:hlinkClick r:id="rId3"/>
+              </a:rPr>
+              <a:t>Silhouette Method</a:t>
+            </a:r>
+            <a:endParaRPr lang="en-US" dirty="0"/>
+          </a:p>
+        </p:txBody>
+      </p:sp>
+    </p:spTree>
+    <p:extLst>
+      <p:ext uri="{BB962C8B-B14F-4D97-AF65-F5344CB8AC3E}">
+        <p14:creationId xmlns:p14="http://schemas.microsoft.com/office/powerpoint/2010/main" val="2351356172"/>
+      </p:ext>
+    </p:extLst>
+  </p:cSld>
+  <p:clrMapOvr>
+    <a:masterClrMapping/>
+  </p:clrMapOvr>
+  <p:timing>
+    <p:tnLst>
+      <p:par>
+        <p:cTn id="1" dur="indefinite" restart="never" nodeType="tmRoot"/>
+      </p:par>
+    </p:tnLst>
+  </p:timing>
+</p:sld>
+</file>
+
+<file path=ppt/slides/slide13.xml><?xml version="1.0" encoding="utf-8"?>
+<p:sld xmlns:a="http://schemas.openxmlformats.org/drawingml/2006/main" xmlns:r="http://schemas.openxmlformats.org/officeDocument/2006/relationships" xmlns:p="http://schemas.openxmlformats.org/presentationml/2006/main">
+  <p:cSld>
+    <p:spTree>
+      <p:nvGrpSpPr>
+        <p:cNvPr id="1" name=""/>
+        <p:cNvGrpSpPr/>
+        <p:nvPr/>
+      </p:nvGrpSpPr>
+      <p:grpSpPr>
+        <a:xfrm>
+          <a:off x="0" y="0"/>
+          <a:ext cx="0" cy="0"/>
+          <a:chOff x="0" y="0"/>
+          <a:chExt cx="0" cy="0"/>
+        </a:xfrm>
+      </p:grpSpPr>
+      <p:sp>
+        <p:nvSpPr>
+          <p:cNvPr id="2" name="Title 1"/>
+          <p:cNvSpPr>
+            <a:spLocks noGrp="1"/>
+          </p:cNvSpPr>
+          <p:nvPr>
+            <p:ph type="title"/>
+          </p:nvPr>
+        </p:nvSpPr>
+        <p:spPr/>
+        <p:txBody>
+          <a:bodyPr/>
+          <a:lstStyle/>
+          <a:p>
+            <a:r>
+              <a:rPr lang="en-US" dirty="0" smtClean="0"/>
+              <a:t>k-Means: The Elbow method(</a:t>
+            </a:r>
+            <a:r>
+              <a:rPr lang="en-US" dirty="0" err="1" smtClean="0"/>
+              <a:t>sklearn</a:t>
+            </a:r>
+            <a:r>
+              <a:rPr lang="en-US" dirty="0" smtClean="0"/>
+              <a:t>)</a:t>
+            </a:r>
+            <a:endParaRPr lang="en-US" dirty="0"/>
+          </a:p>
+        </p:txBody>
+      </p:sp>
+      <p:sp>
+        <p:nvSpPr>
+          <p:cNvPr id="3" name="Text Placeholder 2"/>
+          <p:cNvSpPr>
+            <a:spLocks noGrp="1"/>
+          </p:cNvSpPr>
+          <p:nvPr>
+            <p:ph type="body" idx="1"/>
+          </p:nvPr>
+        </p:nvSpPr>
+        <p:spPr>
+          <a:xfrm>
+            <a:off x="311700" y="1536633"/>
+            <a:ext cx="3544683" cy="3711228"/>
+          </a:xfrm>
+        </p:spPr>
+        <p:txBody>
+          <a:bodyPr/>
+          <a:lstStyle/>
+          <a:p>
+            <a:pPr marL="114300" indent="0">
+              <a:buNone/>
+            </a:pPr>
+            <a:r>
+              <a:rPr lang="en-US" sz="1400" dirty="0">
+                <a:solidFill>
+                  <a:srgbClr val="FF0000"/>
+                </a:solidFill>
+              </a:rPr>
+              <a:t>#Calculate the </a:t>
+            </a:r>
+            <a:r>
+              <a:rPr lang="en-US" sz="1400" dirty="0" err="1">
+                <a:solidFill>
+                  <a:srgbClr val="FF0000"/>
+                </a:solidFill>
+              </a:rPr>
+              <a:t>wcss</a:t>
+            </a:r>
+            <a:endParaRPr lang="en-US" sz="1400" dirty="0">
+              <a:solidFill>
+                <a:srgbClr val="FF0000"/>
+              </a:solidFill>
+            </a:endParaRPr>
+          </a:p>
+          <a:p>
+            <a:pPr marL="114300" indent="0">
+              <a:buNone/>
+            </a:pPr>
+            <a:r>
+              <a:rPr lang="en-US" sz="1400" dirty="0" err="1"/>
+              <a:t>wcss</a:t>
+            </a:r>
+            <a:r>
+              <a:rPr lang="en-US" sz="1400" dirty="0"/>
+              <a:t>=[]</a:t>
+            </a:r>
+          </a:p>
+          <a:p>
+            <a:pPr marL="114300" indent="0">
+              <a:buNone/>
+            </a:pPr>
+            <a:r>
+              <a:rPr lang="en-US" sz="1400" dirty="0" err="1"/>
+              <a:t>number_cluster</a:t>
+            </a:r>
+            <a:r>
+              <a:rPr lang="en-US" sz="1400" dirty="0"/>
+              <a:t>= range(1,12)</a:t>
+            </a:r>
+          </a:p>
+          <a:p>
+            <a:pPr marL="114300" indent="0">
+              <a:buNone/>
+            </a:pPr>
+            <a:r>
+              <a:rPr lang="en-US" sz="1400" dirty="0"/>
+              <a:t>for </a:t>
+            </a:r>
+            <a:r>
+              <a:rPr lang="en-US" sz="1400" dirty="0" err="1"/>
+              <a:t>i</a:t>
+            </a:r>
+            <a:r>
+              <a:rPr lang="en-US" sz="1400" dirty="0"/>
+              <a:t> in </a:t>
+            </a:r>
+            <a:r>
+              <a:rPr lang="en-US" sz="1400" dirty="0" err="1" smtClean="0"/>
+              <a:t>number_cluster</a:t>
+            </a:r>
+            <a:r>
+              <a:rPr lang="en-US" sz="1400" dirty="0" smtClean="0"/>
+              <a:t>:</a:t>
+            </a:r>
+          </a:p>
+          <a:p>
+            <a:pPr marL="114300" indent="0">
+              <a:buNone/>
+            </a:pPr>
+            <a:r>
+              <a:rPr lang="en-US" sz="1400" dirty="0" smtClean="0"/>
+              <a:t>	</a:t>
+            </a:r>
+            <a:r>
+              <a:rPr lang="en-US" sz="1400" dirty="0" err="1" smtClean="0"/>
+              <a:t>kmeans</a:t>
+            </a:r>
+            <a:r>
+              <a:rPr lang="en-US" sz="1400" dirty="0" smtClean="0"/>
+              <a:t>=</a:t>
+            </a:r>
+            <a:r>
+              <a:rPr lang="en-US" sz="1400" dirty="0" err="1" smtClean="0"/>
+              <a:t>KMeans</a:t>
+            </a:r>
+            <a:r>
+              <a:rPr lang="en-US" sz="1400" dirty="0" smtClean="0"/>
+              <a:t>(</a:t>
+            </a:r>
+            <a:r>
+              <a:rPr lang="en-US" sz="1400" dirty="0" err="1" smtClean="0"/>
+              <a:t>i</a:t>
+            </a:r>
+            <a:r>
+              <a:rPr lang="en-US" sz="1400" dirty="0" smtClean="0"/>
+              <a:t>)</a:t>
+            </a:r>
+          </a:p>
+          <a:p>
+            <a:pPr marL="114300" indent="0">
+              <a:buNone/>
+            </a:pPr>
+            <a:r>
+              <a:rPr lang="en-US" sz="1400" dirty="0"/>
+              <a:t>	</a:t>
+            </a:r>
+            <a:r>
+              <a:rPr lang="en-US" sz="1400" dirty="0" err="1" smtClean="0"/>
+              <a:t>kmeans.fit</a:t>
+            </a:r>
+            <a:r>
+              <a:rPr lang="en-US" sz="1400" dirty="0" smtClean="0"/>
+              <a:t>(X)</a:t>
+            </a:r>
+          </a:p>
+          <a:p>
+            <a:pPr marL="114300" indent="0">
+              <a:buNone/>
+            </a:pPr>
+            <a:r>
+              <a:rPr lang="en-US" sz="1400" dirty="0"/>
+              <a:t>	</a:t>
+            </a:r>
+            <a:r>
+              <a:rPr lang="en-US" sz="1400" dirty="0" err="1" smtClean="0"/>
+              <a:t>wcss_itr</a:t>
+            </a:r>
+            <a:r>
+              <a:rPr lang="en-US" sz="1400" dirty="0" smtClean="0"/>
+              <a:t> </a:t>
+            </a:r>
+            <a:r>
+              <a:rPr lang="en-US" sz="1400" dirty="0"/>
+              <a:t>= </a:t>
+            </a:r>
+            <a:r>
+              <a:rPr lang="en-US" sz="1400" dirty="0" err="1" smtClean="0"/>
+              <a:t>kmeans.inertia</a:t>
+            </a:r>
+            <a:r>
+              <a:rPr lang="en-US" sz="1400" dirty="0" smtClean="0"/>
+              <a:t>_</a:t>
+            </a:r>
+          </a:p>
+          <a:p>
+            <a:pPr marL="114300" indent="0">
+              <a:buNone/>
+            </a:pPr>
+            <a:r>
+              <a:rPr lang="en-US" sz="1400" dirty="0"/>
+              <a:t>	</a:t>
+            </a:r>
+            <a:r>
+              <a:rPr lang="en-US" sz="1400" dirty="0" err="1" smtClean="0"/>
+              <a:t>wcss.append</a:t>
+            </a:r>
+            <a:r>
+              <a:rPr lang="en-US" sz="1400" dirty="0" smtClean="0"/>
+              <a:t>(</a:t>
+            </a:r>
+            <a:r>
+              <a:rPr lang="en-US" sz="1400" dirty="0" err="1" smtClean="0"/>
+              <a:t>wcss_itr</a:t>
+            </a:r>
+            <a:r>
+              <a:rPr lang="en-US" sz="1400" dirty="0"/>
+              <a:t>)</a:t>
+            </a:r>
+          </a:p>
+          <a:p>
+            <a:endParaRPr lang="en-US" sz="1400" dirty="0"/>
+          </a:p>
+          <a:p>
+            <a:pPr marL="114300" indent="0">
+              <a:buNone/>
+            </a:pPr>
+            <a:r>
+              <a:rPr lang="en-US" sz="1400" dirty="0">
+                <a:solidFill>
+                  <a:srgbClr val="FF0000"/>
+                </a:solidFill>
+              </a:rPr>
+              <a:t>#Plotting the elbow</a:t>
+            </a:r>
+          </a:p>
+          <a:p>
+            <a:pPr marL="114300" indent="0">
+              <a:buNone/>
+            </a:pPr>
+            <a:r>
+              <a:rPr lang="en-US" sz="1400" dirty="0" err="1"/>
+              <a:t>plt.plot</a:t>
+            </a:r>
+            <a:r>
+              <a:rPr lang="en-US" sz="1400" dirty="0"/>
+              <a:t>(</a:t>
+            </a:r>
+            <a:r>
+              <a:rPr lang="en-US" sz="1400" dirty="0" err="1"/>
+              <a:t>number_cluster</a:t>
+            </a:r>
+            <a:r>
+              <a:rPr lang="en-US" sz="1400" dirty="0"/>
+              <a:t>, </a:t>
+            </a:r>
+            <a:r>
+              <a:rPr lang="en-US" sz="1400" dirty="0" err="1"/>
+              <a:t>wcss</a:t>
+            </a:r>
+            <a:r>
+              <a:rPr lang="en-US" sz="1400" dirty="0"/>
+              <a:t>)</a:t>
+            </a:r>
+          </a:p>
+          <a:p>
+            <a:pPr marL="114300" indent="0">
+              <a:buNone/>
+            </a:pPr>
+            <a:r>
+              <a:rPr lang="en-US" sz="1400" dirty="0" err="1"/>
+              <a:t>plt.title</a:t>
+            </a:r>
+            <a:r>
+              <a:rPr lang="en-US" sz="1400" dirty="0"/>
+              <a:t>('The Elbow Method')</a:t>
+            </a:r>
+          </a:p>
+          <a:p>
+            <a:pPr marL="114300" indent="0">
+              <a:buNone/>
+            </a:pPr>
+            <a:r>
+              <a:rPr lang="en-US" sz="1400" dirty="0" err="1"/>
+              <a:t>plt.xlabel</a:t>
+            </a:r>
+            <a:r>
+              <a:rPr lang="en-US" sz="1400" dirty="0"/>
+              <a:t>('number of clusters')</a:t>
+            </a:r>
+          </a:p>
+          <a:p>
+            <a:pPr marL="114300" indent="0">
+              <a:buNone/>
+            </a:pPr>
+            <a:r>
+              <a:rPr lang="en-US" sz="1400" dirty="0" err="1"/>
+              <a:t>plt.ylabel</a:t>
+            </a:r>
+            <a:r>
+              <a:rPr lang="en-US" sz="1400" dirty="0"/>
+              <a:t>('within cluster sum of squares')</a:t>
+            </a:r>
+          </a:p>
+        </p:txBody>
+      </p:sp>
+      <p:pic>
+        <p:nvPicPr>
+          <p:cNvPr id="4" name="Picture 3"/>
+          <p:cNvPicPr>
+            <a:picLocks noChangeAspect="1"/>
+          </p:cNvPicPr>
+          <p:nvPr/>
+        </p:nvPicPr>
+        <p:blipFill>
+          <a:blip r:embed="rId2">
+            <a:extLst>
+              <a:ext uri="{28A0092B-C50C-407E-A947-70E740481C1C}">
+                <a14:useLocalDpi xmlns:a14="http://schemas.microsoft.com/office/drawing/2010/main" val="0"/>
+              </a:ext>
+            </a:extLst>
+          </a:blip>
+          <a:stretch>
+            <a:fillRect/>
+          </a:stretch>
+        </p:blipFill>
+        <p:spPr>
+          <a:xfrm>
+            <a:off x="4029765" y="1728643"/>
+            <a:ext cx="4195417" cy="3030440"/>
+          </a:xfrm>
+          <a:prstGeom prst="rect">
+            <a:avLst/>
+          </a:prstGeom>
+        </p:spPr>
+      </p:pic>
+    </p:spTree>
+    <p:extLst>
+      <p:ext uri="{BB962C8B-B14F-4D97-AF65-F5344CB8AC3E}">
+        <p14:creationId xmlns:p14="http://schemas.microsoft.com/office/powerpoint/2010/main" val="1218241069"/>
+      </p:ext>
+    </p:extLst>
+  </p:cSld>
+  <p:clrMapOvr>
+    <a:masterClrMapping/>
+  </p:clrMapOvr>
+  <p:timing>
+    <p:tnLst>
+      <p:par>
+        <p:cTn id="1" dur="indefinite" restart="never" nodeType="tmRoot"/>
+      </p:par>
+    </p:tnLst>
+  </p:timing>
+</p:sld>
+</file>
+
+<file path=ppt/slides/slide14.xml><?xml version="1.0" encoding="utf-8"?>
 <p:sld xmlns:a="http://schemas.openxmlformats.org/drawingml/2006/main" xmlns:r="http://schemas.openxmlformats.org/officeDocument/2006/relationships" xmlns:p="http://schemas.openxmlformats.org/presentationml/2006/main">
   <p:cSld>
     <p:spTree>
@@ -10335,10 +10705,14 @@
               <a:buNone/>
             </a:pPr>
             <a:r>
-              <a:rPr lang="en-US"/>
-              <a:t>k-Means: The Elbow method</a:t>
-            </a:r>
-            <a:endParaRPr/>
+              <a:rPr lang="en-US" dirty="0"/>
+              <a:t>k-Means: The Elbow </a:t>
+            </a:r>
+            <a:r>
+              <a:rPr lang="en-US" dirty="0" smtClean="0"/>
+              <a:t>method(algorithm)</a:t>
+            </a:r>
+            <a:endParaRPr dirty="0"/>
           </a:p>
         </p:txBody>
       </p:sp>
@@ -10385,72 +10759,196 @@
               <a:buNone/>
             </a:pPr>
             <a:r>
-              <a:rPr lang="en-US"/>
-              <a:t>def elbow(df, n):</a:t>
+              <a:rPr lang="en-US" dirty="0" err="1"/>
+              <a:t>def</a:t>
+            </a:r>
+            <a:r>
+              <a:rPr lang="en-US" dirty="0"/>
+              <a:t> elbow(</a:t>
+            </a:r>
+            <a:r>
+              <a:rPr lang="en-US" dirty="0" err="1"/>
+              <a:t>df</a:t>
+            </a:r>
+            <a:r>
+              <a:rPr lang="en-US" dirty="0"/>
+              <a:t>, n):</a:t>
             </a:r>
             <a:br>
-              <a:rPr lang="en-US"/>
+              <a:rPr lang="en-US" dirty="0"/>
             </a:br>
             <a:r>
-              <a:rPr lang="en-US"/>
-              <a:t>    import matplotlib.pyplot as plt</a:t>
+              <a:rPr lang="en-US" dirty="0"/>
+              <a:t>    import </a:t>
+            </a:r>
+            <a:r>
+              <a:rPr lang="en-US" dirty="0" err="1"/>
+              <a:t>matplotlib.pyplot</a:t>
+            </a:r>
+            <a:r>
+              <a:rPr lang="en-US" dirty="0"/>
+              <a:t> as </a:t>
+            </a:r>
+            <a:r>
+              <a:rPr lang="en-US" dirty="0" err="1"/>
+              <a:t>plt</a:t>
+            </a:r>
+            <a:r>
+              <a:rPr lang="en-US" dirty="0"/>
+              <a:t/>
             </a:r>
             <a:br>
-              <a:rPr lang="en-US"/>
+              <a:rPr lang="en-US" dirty="0"/>
             </a:br>
             <a:r>
-              <a:rPr lang="en-US"/>
-              <a:t>    from sklearn.cluster import KMeans</a:t>
+              <a:rPr lang="en-US" dirty="0"/>
+              <a:t>    from </a:t>
+            </a:r>
+            <a:r>
+              <a:rPr lang="en-US" dirty="0" err="1"/>
+              <a:t>sklearn.cluster</a:t>
+            </a:r>
+            <a:r>
+              <a:rPr lang="en-US" dirty="0"/>
+              <a:t> import </a:t>
+            </a:r>
+            <a:r>
+              <a:rPr lang="en-US" dirty="0" err="1"/>
+              <a:t>KMeans</a:t>
+            </a:r>
+            <a:r>
+              <a:rPr lang="en-US" dirty="0"/>
+              <a:t/>
             </a:r>
             <a:br>
-              <a:rPr lang="en-US"/>
+              <a:rPr lang="en-US" dirty="0"/>
             </a:br>
             <a:r>
-              <a:rPr lang="en-US"/>
-              <a:t>    import numpy as np</a:t>
+              <a:rPr lang="en-US" dirty="0"/>
+              <a:t>    import </a:t>
+            </a:r>
+            <a:r>
+              <a:rPr lang="en-US" dirty="0" err="1"/>
+              <a:t>numpy</a:t>
+            </a:r>
+            <a:r>
+              <a:rPr lang="en-US" dirty="0"/>
+              <a:t> as np</a:t>
             </a:r>
             <a:br>
-              <a:rPr lang="en-US"/>
+              <a:rPr lang="en-US" dirty="0"/>
             </a:br>
             <a:r>
-              <a:rPr lang="en-US"/>
-              <a:t>    from scipy.spatial.distance import cdist, pdist</a:t>
+              <a:rPr lang="en-US" dirty="0"/>
+              <a:t>    from </a:t>
+            </a:r>
+            <a:r>
+              <a:rPr lang="en-US" dirty="0" err="1"/>
+              <a:t>scipy.spatial.distance</a:t>
+            </a:r>
+            <a:r>
+              <a:rPr lang="en-US" dirty="0"/>
+              <a:t> import </a:t>
+            </a:r>
+            <a:r>
+              <a:rPr lang="en-US" dirty="0" err="1"/>
+              <a:t>cdist</a:t>
+            </a:r>
+            <a:r>
+              <a:rPr lang="en-US" dirty="0"/>
+              <a:t>, </a:t>
+            </a:r>
+            <a:r>
+              <a:rPr lang="en-US" dirty="0" err="1"/>
+              <a:t>pdist</a:t>
+            </a:r>
+            <a:r>
+              <a:rPr lang="en-US" dirty="0"/>
+              <a:t/>
             </a:r>
             <a:br>
-              <a:rPr lang="en-US"/>
+              <a:rPr lang="en-US" dirty="0"/>
             </a:br>
             <a:r>
-              <a:rPr lang="en-US"/>
+              <a:rPr lang="en-US" dirty="0"/>
               <a:t>    </a:t>
             </a:r>
             <a:r>
-              <a:rPr lang="en-US">
+              <a:rPr lang="en-US" dirty="0">
                 <a:solidFill>
                   <a:srgbClr val="FF0000"/>
                 </a:solidFill>
               </a:rPr>
-              <a:t># kmeans models for each k </a:t>
-            </a:r>
-            <a:r>
-              <a:rPr lang="en-US"/>
+              <a:t># </a:t>
+            </a:r>
+            <a:r>
+              <a:rPr lang="en-US" dirty="0" err="1">
+                <a:solidFill>
+                  <a:srgbClr val="FF0000"/>
+                </a:solidFill>
+              </a:rPr>
+              <a:t>kmeans</a:t>
+            </a:r>
+            <a:r>
+              <a:rPr lang="en-US" dirty="0">
+                <a:solidFill>
+                  <a:srgbClr val="FF0000"/>
+                </a:solidFill>
+              </a:rPr>
+              <a:t> models for each k </a:t>
+            </a:r>
+            <a:r>
+              <a:rPr lang="en-US" dirty="0"/>
               <a:t>                                                                                          </a:t>
             </a:r>
             <a:br>
-              <a:rPr lang="en-US"/>
+              <a:rPr lang="en-US" dirty="0"/>
             </a:br>
             <a:r>
-              <a:rPr lang="en-US"/>
-              <a:t>    kMeansVar = [KMeans(n_clusters=k).fit(df.values) for k in range(1, n)]</a:t>
+              <a:rPr lang="en-US" dirty="0"/>
+              <a:t>    </a:t>
+            </a:r>
+            <a:r>
+              <a:rPr lang="en-US" dirty="0" err="1"/>
+              <a:t>kMeansVar</a:t>
+            </a:r>
+            <a:r>
+              <a:rPr lang="en-US" dirty="0"/>
+              <a:t> = [</a:t>
+            </a:r>
+            <a:r>
+              <a:rPr lang="en-US" dirty="0" err="1"/>
+              <a:t>KMeans</a:t>
+            </a:r>
+            <a:r>
+              <a:rPr lang="en-US" dirty="0"/>
+              <a:t>(</a:t>
+            </a:r>
+            <a:r>
+              <a:rPr lang="en-US" dirty="0" err="1"/>
+              <a:t>n_clusters</a:t>
+            </a:r>
+            <a:r>
+              <a:rPr lang="en-US" dirty="0"/>
+              <a:t>=k).fit(</a:t>
+            </a:r>
+            <a:r>
+              <a:rPr lang="en-US" dirty="0" err="1"/>
+              <a:t>df.values</a:t>
+            </a:r>
+            <a:r>
+              <a:rPr lang="en-US" dirty="0"/>
+              <a:t>) for k in range(1, n)]</a:t>
             </a:r>
             <a:br>
-              <a:rPr lang="en-US"/>
+              <a:rPr lang="en-US" dirty="0"/>
             </a:br>
             <a:r>
-              <a:rPr lang="en-US"/>
+              <a:rPr lang="en-US" dirty="0"/>
               <a:t>    </a:t>
             </a:r>
             <a:r>
-              <a:rPr lang="en-US">
+              <a:rPr lang="en-US" dirty="0">
                 <a:solidFill>
                   <a:srgbClr val="FF0000"/>
                 </a:solidFill>
@@ -10458,25 +10956,41 @@
               <a:t># get the centroids of the models</a:t>
             </a:r>
             <a:r>
-              <a:rPr lang="en-US"/>
+              <a:rPr lang="en-US" dirty="0"/>
               <a:t>                                                                                    </a:t>
             </a:r>
             <a:br>
-              <a:rPr lang="en-US"/>
+              <a:rPr lang="en-US" dirty="0"/>
             </a:br>
             <a:r>
-              <a:rPr lang="en-US"/>
-              <a:t>    centroids = [X.cluster_centers_ for X in kMeansVar]</a:t>
+              <a:rPr lang="en-US" dirty="0"/>
+              <a:t>    centroids = [</a:t>
+            </a:r>
+            <a:r>
+              <a:rPr lang="en-US" dirty="0" err="1"/>
+              <a:t>X.cluster_centers</a:t>
+            </a:r>
+            <a:r>
+              <a:rPr lang="en-US" dirty="0"/>
+              <a:t>_ for X in </a:t>
+            </a:r>
+            <a:r>
+              <a:rPr lang="en-US" dirty="0" err="1"/>
+              <a:t>kMeansVar</a:t>
+            </a:r>
+            <a:r>
+              <a:rPr lang="en-US" dirty="0"/>
+              <a:t>]</a:t>
             </a:r>
             <a:br>
-              <a:rPr lang="en-US"/>
+              <a:rPr lang="en-US" dirty="0"/>
             </a:br>
             <a:r>
-              <a:rPr lang="en-US"/>
+              <a:rPr lang="en-US" dirty="0"/>
               <a:t>    </a:t>
             </a:r>
             <a:r>
-              <a:rPr lang="en-US">
+              <a:rPr lang="en-US" dirty="0">
                 <a:solidFill>
                   <a:srgbClr val="FF0000"/>
                 </a:solidFill>
@@ -10484,25 +10998,49 @@
               <a:t># find the distances of the values to the centroids  </a:t>
             </a:r>
             <a:r>
-              <a:rPr lang="en-US"/>
+              <a:rPr lang="en-US" dirty="0"/>
               <a:t>                                                                </a:t>
             </a:r>
             <a:br>
-              <a:rPr lang="en-US"/>
+              <a:rPr lang="en-US" dirty="0"/>
             </a:br>
             <a:r>
-              <a:rPr lang="en-US"/>
-              <a:t>    k_euclid = [cdist(df.values, cent) for cent in centroids]</a:t>
+              <a:rPr lang="en-US" dirty="0"/>
+              <a:t>    </a:t>
+            </a:r>
+            <a:r>
+              <a:rPr lang="en-US" dirty="0" err="1"/>
+              <a:t>k_euclid</a:t>
+            </a:r>
+            <a:r>
+              <a:rPr lang="en-US" dirty="0"/>
+              <a:t> = [</a:t>
+            </a:r>
+            <a:r>
+              <a:rPr lang="en-US" dirty="0" err="1"/>
+              <a:t>cdist</a:t>
+            </a:r>
+            <a:r>
+              <a:rPr lang="en-US" dirty="0"/>
+              <a:t>(</a:t>
+            </a:r>
+            <a:r>
+              <a:rPr lang="en-US" dirty="0" err="1"/>
+              <a:t>df.values</a:t>
+            </a:r>
+            <a:r>
+              <a:rPr lang="en-US" dirty="0"/>
+              <a:t>, cent) for cent in centroids]</a:t>
             </a:r>
             <a:br>
-              <a:rPr lang="en-US"/>
+              <a:rPr lang="en-US" dirty="0"/>
             </a:br>
             <a:r>
-              <a:rPr lang="en-US"/>
+              <a:rPr lang="en-US" dirty="0"/>
               <a:t>    </a:t>
             </a:r>
             <a:r>
-              <a:rPr lang="en-US">
+              <a:rPr lang="en-US" dirty="0">
                 <a:solidFill>
                   <a:srgbClr val="FF0000"/>
                 </a:solidFill>
@@ -10510,25 +11048,65 @@
               <a:t># find the distance of each point to its cluster center    </a:t>
             </a:r>
             <a:r>
-              <a:rPr lang="en-US"/>
+              <a:rPr lang="en-US" dirty="0"/>
               <a:t>                                                          </a:t>
             </a:r>
             <a:br>
-              <a:rPr lang="en-US"/>
+              <a:rPr lang="en-US" dirty="0"/>
             </a:br>
             <a:r>
-              <a:rPr lang="en-US"/>
-              <a:t>    dist = [np.min(ke, axis=1) for ke in k_euclid]</a:t>
+              <a:rPr lang="en-US" dirty="0"/>
+              <a:t>    </a:t>
+            </a:r>
+            <a:r>
+              <a:rPr lang="en-US" dirty="0" err="1"/>
+              <a:t>dist</a:t>
+            </a:r>
+            <a:r>
+              <a:rPr lang="en-US" dirty="0"/>
+              <a:t> = [</a:t>
+            </a:r>
+            <a:r>
+              <a:rPr lang="en-US" dirty="0" err="1"/>
+              <a:t>np.min</a:t>
+            </a:r>
+            <a:r>
+              <a:rPr lang="en-US" dirty="0"/>
+              <a:t>(</a:t>
+            </a:r>
+            <a:r>
+              <a:rPr lang="en-US" dirty="0" err="1"/>
+              <a:t>ke</a:t>
+            </a:r>
+            <a:r>
+              <a:rPr lang="en-US" dirty="0"/>
+              <a:t>, axis=1) for </a:t>
+            </a:r>
+            <a:r>
+              <a:rPr lang="en-US" dirty="0" err="1"/>
+              <a:t>ke</a:t>
+            </a:r>
+            <a:r>
+              <a:rPr lang="en-US" dirty="0"/>
+              <a:t> in </a:t>
+            </a:r>
+            <a:r>
+              <a:rPr lang="en-US" dirty="0" err="1"/>
+              <a:t>k_euclid</a:t>
+            </a:r>
+            <a:r>
+              <a:rPr lang="en-US" dirty="0"/>
+              <a:t>]</a:t>
             </a:r>
             <a:br>
-              <a:rPr lang="en-US"/>
+              <a:rPr lang="en-US" dirty="0"/>
             </a:br>
             <a:r>
-              <a:rPr lang="en-US"/>
+              <a:rPr lang="en-US" dirty="0"/>
               <a:t>    </a:t>
             </a:r>
             <a:r>
-              <a:rPr lang="en-US">
+              <a:rPr lang="en-US" dirty="0">
                 <a:solidFill>
                   <a:srgbClr val="FF0000"/>
                 </a:solidFill>
@@ -10536,25 +11114,41 @@
               <a:t># total within cluster sum of squares  </a:t>
             </a:r>
             <a:r>
-              <a:rPr lang="en-US"/>
+              <a:rPr lang="en-US" dirty="0"/>
               <a:t>                                                                              </a:t>
             </a:r>
             <a:br>
-              <a:rPr lang="en-US"/>
+              <a:rPr lang="en-US" dirty="0"/>
             </a:br>
             <a:r>
-              <a:rPr lang="en-US"/>
-              <a:t>    wcss = [sum(d**2) for d in dist]</a:t>
+              <a:rPr lang="en-US" dirty="0"/>
+              <a:t>    </a:t>
+            </a:r>
+            <a:r>
+              <a:rPr lang="en-US" dirty="0" err="1"/>
+              <a:t>wcss</a:t>
+            </a:r>
+            <a:r>
+              <a:rPr lang="en-US" dirty="0"/>
+              <a:t> = [sum(d**2) for d in </a:t>
+            </a:r>
+            <a:r>
+              <a:rPr lang="en-US" dirty="0" err="1"/>
+              <a:t>dist</a:t>
+            </a:r>
+            <a:r>
+              <a:rPr lang="en-US" dirty="0"/>
+              <a:t>]</a:t>
             </a:r>
             <a:br>
-              <a:rPr lang="en-US"/>
+              <a:rPr lang="en-US" dirty="0"/>
             </a:br>
             <a:r>
-              <a:rPr lang="en-US"/>
+              <a:rPr lang="en-US" dirty="0"/>
               <a:t>    </a:t>
             </a:r>
             <a:r>
-              <a:rPr lang="en-US">
+              <a:rPr lang="en-US" dirty="0">
                 <a:solidFill>
                   <a:srgbClr val="FF0000"/>
                 </a:solidFill>
@@ -10562,25 +11156,57 @@
               <a:t># total sum of squares </a:t>
             </a:r>
             <a:r>
-              <a:rPr lang="en-US"/>
+              <a:rPr lang="en-US" dirty="0"/>
               <a:t>                                                                                              </a:t>
             </a:r>
             <a:br>
-              <a:rPr lang="en-US"/>
+              <a:rPr lang="en-US" dirty="0"/>
             </a:br>
             <a:r>
-              <a:rPr lang="en-US"/>
-              <a:t>    tss = sum(pdist(df.values)**2)/df.values.shape[0]</a:t>
+              <a:rPr lang="en-US" dirty="0"/>
+              <a:t>    </a:t>
+            </a:r>
+            <a:r>
+              <a:rPr lang="en-US" dirty="0" err="1"/>
+              <a:t>tss</a:t>
+            </a:r>
+            <a:r>
+              <a:rPr lang="en-US" dirty="0"/>
+              <a:t> = sum(</a:t>
+            </a:r>
+            <a:r>
+              <a:rPr lang="en-US" dirty="0" err="1"/>
+              <a:t>pdist</a:t>
+            </a:r>
+            <a:r>
+              <a:rPr lang="en-US" dirty="0"/>
+              <a:t>(</a:t>
+            </a:r>
+            <a:r>
+              <a:rPr lang="en-US" dirty="0" err="1"/>
+              <a:t>df.values</a:t>
+            </a:r>
+            <a:r>
+              <a:rPr lang="en-US" dirty="0"/>
+              <a:t>)**2)/</a:t>
+            </a:r>
+            <a:r>
+              <a:rPr lang="en-US" dirty="0" err="1"/>
+              <a:t>df.values.shape</a:t>
+            </a:r>
+            <a:r>
+              <a:rPr lang="en-US" dirty="0"/>
+              <a:t>[0]</a:t>
             </a:r>
             <a:br>
-              <a:rPr lang="en-US"/>
+              <a:rPr lang="en-US" dirty="0"/>
             </a:br>
             <a:r>
-              <a:rPr lang="en-US"/>
+              <a:rPr lang="en-US" dirty="0"/>
               <a:t>    </a:t>
             </a:r>
             <a:r>
-              <a:rPr lang="en-US">
+              <a:rPr lang="en-US" dirty="0">
                 <a:solidFill>
                   <a:srgbClr val="FF0000"/>
                 </a:solidFill>
@@ -10588,76 +11214,82 @@
               <a:t># between clusters sum of squares  </a:t>
             </a:r>
             <a:r>
-              <a:rPr lang="en-US"/>
+              <a:rPr lang="en-US" dirty="0"/>
               <a:t>                                                                                  </a:t>
             </a:r>
             <a:br>
-              <a:rPr lang="en-US"/>
+              <a:rPr lang="en-US" dirty="0"/>
             </a:br>
             <a:r>
-              <a:rPr lang="en-US"/>
-              <a:t>    bss = tss - wcss</a:t>
+              <a:rPr lang="en-US" dirty="0"/>
+              <a:t>    </a:t>
+            </a:r>
+            <a:r>
+              <a:rPr lang="en-US" dirty="0" err="1"/>
+              <a:t>bss</a:t>
+            </a:r>
+            <a:r>
+              <a:rPr lang="en-US" dirty="0"/>
+              <a:t> = </a:t>
+            </a:r>
+            <a:r>
+              <a:rPr lang="en-US" dirty="0" err="1"/>
+              <a:t>tss</a:t>
+            </a:r>
+            <a:r>
+              <a:rPr lang="en-US" dirty="0"/>
+              <a:t> - </a:t>
+            </a:r>
+            <a:r>
+              <a:rPr lang="en-US" dirty="0" err="1"/>
+              <a:t>wcss</a:t>
+            </a:r>
+            <a:r>
+              <a:rPr lang="en-US" dirty="0"/>
+              <a:t/>
             </a:r>
             <a:br>
-              <a:rPr lang="en-US"/>
+              <a:rPr lang="en-US" dirty="0"/>
             </a:br>
             <a:r>
-              <a:rPr lang="en-US"/>
-              <a:t>    plt.plot(list(range(1,n)),bss)</a:t>
+              <a:rPr lang="en-US" dirty="0"/>
+              <a:t>    </a:t>
+            </a:r>
+            <a:r>
+              <a:rPr lang="en-US" dirty="0" err="1"/>
+              <a:t>plt.plot</a:t>
+            </a:r>
+            <a:r>
+              <a:rPr lang="en-US" dirty="0"/>
+              <a:t>(list(range(1,n)),</a:t>
+            </a:r>
+            <a:r>
+              <a:rPr lang="en-US" dirty="0" err="1"/>
+              <a:t>bss</a:t>
+            </a:r>
+            <a:r>
+              <a:rPr lang="en-US" dirty="0"/>
+              <a:t>)</a:t>
             </a:r>
             <a:br>
-              <a:rPr lang="en-US"/>
+              <a:rPr lang="en-US" dirty="0"/>
             </a:br>
             <a:r>
-              <a:rPr lang="en-US"/>
-              <a:t>    plt.show()</a:t>
+              <a:rPr lang="en-US" dirty="0"/>
+              <a:t>    </a:t>
+            </a:r>
+            <a:r>
+              <a:rPr lang="en-US" dirty="0" err="1"/>
+              <a:t>plt.show</a:t>
+            </a:r>
+            <a:r>
+              <a:rPr lang="en-US" dirty="0"/>
+              <a:t>()</a:t>
             </a:r>
             <a:br>
-              <a:rPr lang="en-US"/>
+              <a:rPr lang="en-US" dirty="0"/>
             </a:br>
-            <a:endParaRPr/>
-          </a:p>
-        </p:txBody>
-      </p:sp>
-      <p:sp>
-        <p:nvSpPr>
-          <p:cNvPr id="146" name="Shape 146"/>
-          <p:cNvSpPr txBox="1"/>
-          <p:nvPr/>
-        </p:nvSpPr>
-        <p:spPr>
-          <a:xfrm>
-            <a:off x="7079775" y="2064225"/>
-            <a:ext cx="1637700" cy="856500"/>
-          </a:xfrm>
-          <a:prstGeom prst="rect">
-            <a:avLst/>
-          </a:prstGeom>
-          <a:noFill/>
-          <a:ln>
-            <a:noFill/>
-          </a:ln>
-        </p:spPr>
-        <p:txBody>
-          <a:bodyPr spcFirstLastPara="1" wrap="square" lIns="91425" tIns="91425" rIns="91425" bIns="91425" anchor="t" anchorCtr="0">
-            <a:noAutofit/>
-          </a:bodyPr>
-          <a:lstStyle/>
-          <a:p>
-            <a:pPr marL="0" lvl="0" indent="0">
-              <a:spcBef>
-                <a:spcPts val="0"/>
-              </a:spcBef>
-              <a:spcAft>
-                <a:spcPts val="0"/>
-              </a:spcAft>
-              <a:buNone/>
-            </a:pPr>
-            <a:r>
-              <a:rPr lang="en-US"/>
-              <a:t>Demo elbow</a:t>
-            </a:r>
-            <a:endParaRPr/>
+            <a:endParaRPr dirty="0"/>
           </a:p>
         </p:txBody>
       </p:sp>
@@ -10666,10 +11298,17 @@
   <p:clrMapOvr>
     <a:masterClrMapping/>
   </p:clrMapOvr>
+  <p:timing>
+    <p:tnLst>
+      <p:par>
+        <p:cTn id="1" dur="indefinite" restart="never" nodeType="tmRoot"/>
+      </p:par>
+    </p:tnLst>
+  </p:timing>
 </p:sld>
 </file>
 
-<file path=ppt/slides/slide13.xml><?xml version="1.0" encoding="utf-8"?>
+<file path=ppt/slides/slide15.xml><?xml version="1.0" encoding="utf-8"?>
 <p:sld xmlns:a="http://schemas.openxmlformats.org/drawingml/2006/main" xmlns:r="http://schemas.openxmlformats.org/officeDocument/2006/relationships" xmlns:p="http://schemas.openxmlformats.org/presentationml/2006/main">
   <p:cSld>
     <p:spTree>
@@ -10976,10 +11615,17 @@
   <p:clrMapOvr>
     <a:masterClrMapping/>
   </p:clrMapOvr>
+  <p:timing>
+    <p:tnLst>
+      <p:par>
+        <p:cTn id="1" dur="indefinite" restart="never" nodeType="tmRoot"/>
+      </p:par>
+    </p:tnLst>
+  </p:timing>
 </p:sld>
 </file>
 
-<file path=ppt/slides/slide14.xml><?xml version="1.0" encoding="utf-8"?>
+<file path=ppt/slides/slide16.xml><?xml version="1.0" encoding="utf-8"?>
 <p:sld xmlns:a="http://schemas.openxmlformats.org/drawingml/2006/main" xmlns:r="http://schemas.openxmlformats.org/officeDocument/2006/relationships" xmlns:p="http://schemas.openxmlformats.org/presentationml/2006/main">
   <p:cSld>
     <p:spTree>
@@ -11247,10 +11893,17 @@
   <p:clrMapOvr>
     <a:masterClrMapping/>
   </p:clrMapOvr>
+  <p:timing>
+    <p:tnLst>
+      <p:par>
+        <p:cTn id="1" dur="indefinite" restart="never" nodeType="tmRoot"/>
+      </p:par>
+    </p:tnLst>
+  </p:timing>
 </p:sld>
 </file>
 
-<file path=ppt/slides/slide15.xml><?xml version="1.0" encoding="utf-8"?>
+<file path=ppt/slides/slide17.xml><?xml version="1.0" encoding="utf-8"?>
 <p:sld xmlns:a="http://schemas.openxmlformats.org/drawingml/2006/main" xmlns:r="http://schemas.openxmlformats.org/officeDocument/2006/relationships" xmlns:p="http://schemas.openxmlformats.org/presentationml/2006/main">
   <p:cSld>
     <p:spTree>
@@ -11344,10 +11997,10 @@
               <a:buNone/>
             </a:pPr>
             <a:r>
-              <a:rPr lang="en-US"/>
+              <a:rPr lang="en-US" dirty="0"/>
               <a:t>The idea is to set up 10 clusters and then each cluster should contain all the rows representing one of the digits.</a:t>
             </a:r>
-            <a:endParaRPr/>
+            <a:endParaRPr dirty="0"/>
           </a:p>
           <a:p>
             <a:pPr marL="0" lvl="0" indent="0">
@@ -11365,10 +12018,10 @@
               <a:buNone/>
             </a:pPr>
             <a:r>
-              <a:rPr lang="en-US"/>
+              <a:rPr lang="en-US" dirty="0"/>
               <a:t>The result is 10 clusters in 64 dimensions. Notice that the cluster centers themselves are 64-dimensional points, and can themselves be interpreted as the "typical" digit within the cluster.</a:t>
             </a:r>
-            <a:endParaRPr/>
+            <a:endParaRPr dirty="0"/>
           </a:p>
           <a:p>
             <a:pPr marL="0" lvl="0" indent="0" rtl="0">
@@ -11380,7 +12033,7 @@
               </a:spcAft>
               <a:buNone/>
             </a:pPr>
-            <a:endParaRPr/>
+            <a:endParaRPr dirty="0"/>
           </a:p>
         </p:txBody>
       </p:sp>
@@ -11427,10 +12080,38 @@
               <a:buNone/>
             </a:pPr>
             <a:r>
-              <a:rPr lang="en-US" sz="1200"/>
-              <a:t>kmeans = KMeans(n_clusters=10, random_state=0)</a:t>
-            </a:r>
-            <a:endParaRPr sz="1200"/>
+              <a:rPr lang="en-US" sz="1200" dirty="0" err="1"/>
+              <a:t>kmeans</a:t>
+            </a:r>
+            <a:r>
+              <a:rPr lang="en-US" sz="1200" dirty="0"/>
+              <a:t> = </a:t>
+            </a:r>
+            <a:r>
+              <a:rPr lang="en-US" sz="1200" dirty="0" err="1"/>
+              <a:t>KMeans</a:t>
+            </a:r>
+            <a:r>
+              <a:rPr lang="en-US" sz="1200" dirty="0"/>
+              <a:t>(</a:t>
+            </a:r>
+            <a:r>
+              <a:rPr lang="en-US" sz="1200" dirty="0" err="1"/>
+              <a:t>n_clusters</a:t>
+            </a:r>
+            <a:r>
+              <a:rPr lang="en-US" sz="1200" dirty="0"/>
+              <a:t>=10, </a:t>
+            </a:r>
+            <a:r>
+              <a:rPr lang="en-US" sz="1200" dirty="0" err="1"/>
+              <a:t>random_state</a:t>
+            </a:r>
+            <a:r>
+              <a:rPr lang="en-US" sz="1200" dirty="0"/>
+              <a:t>=0)</a:t>
+            </a:r>
+            <a:endParaRPr sz="1200" dirty="0"/>
           </a:p>
           <a:p>
             <a:pPr marL="0" lvl="0" indent="0">
@@ -11448,10 +12129,22 @@
               <a:buNone/>
             </a:pPr>
             <a:r>
-              <a:rPr lang="en-US" sz="1200"/>
-              <a:t>kmeans.fit(digits.data)</a:t>
-            </a:r>
-            <a:endParaRPr sz="1200"/>
+              <a:rPr lang="en-US" sz="1200" dirty="0" err="1"/>
+              <a:t>kmeans.fit</a:t>
+            </a:r>
+            <a:r>
+              <a:rPr lang="en-US" sz="1200" dirty="0"/>
+              <a:t>(</a:t>
+            </a:r>
+            <a:r>
+              <a:rPr lang="en-US" sz="1200" dirty="0" err="1"/>
+              <a:t>digits.data</a:t>
+            </a:r>
+            <a:r>
+              <a:rPr lang="en-US" sz="1200" dirty="0"/>
+              <a:t>)</a:t>
+            </a:r>
+            <a:endParaRPr sz="1200" dirty="0"/>
           </a:p>
           <a:p>
             <a:pPr marL="0" lvl="0" indent="0">
@@ -11463,7 +12156,7 @@
               </a:spcAft>
               <a:buNone/>
             </a:pPr>
-            <a:endParaRPr sz="1200"/>
+            <a:endParaRPr sz="1200" dirty="0"/>
           </a:p>
           <a:p>
             <a:pPr marL="0" lvl="0" indent="0" rtl="0">
@@ -11476,41 +12169,129 @@
               <a:buNone/>
             </a:pPr>
             <a:r>
-              <a:rPr lang="en-US" sz="1200"/>
-              <a:t>fig, ax = plt.subplots(2, 5, figsize=(8, 3))</a:t>
+              <a:rPr lang="en-US" sz="1200" dirty="0"/>
+              <a:t>fig, ax = </a:t>
+            </a:r>
+            <a:r>
+              <a:rPr lang="en-US" sz="1200" dirty="0" err="1"/>
+              <a:t>plt.subplots</a:t>
+            </a:r>
+            <a:r>
+              <a:rPr lang="en-US" sz="1200" dirty="0"/>
+              <a:t>(2, 5, </a:t>
+            </a:r>
+            <a:r>
+              <a:rPr lang="en-US" sz="1200" dirty="0" err="1"/>
+              <a:t>figsize</a:t>
+            </a:r>
+            <a:r>
+              <a:rPr lang="en-US" sz="1200" dirty="0"/>
+              <a:t>=(8, 3))</a:t>
             </a:r>
             <a:br>
-              <a:rPr lang="en-US" sz="1200"/>
+              <a:rPr lang="en-US" sz="1200" dirty="0"/>
             </a:br>
             <a:r>
-              <a:rPr lang="en-US" sz="1200"/>
-              <a:t>centers = kmeans.cluster_centers_.reshape(10, 8, 8)</a:t>
+              <a:rPr lang="en-US" sz="1200" dirty="0"/>
+              <a:t>centers = </a:t>
+            </a:r>
+            <a:r>
+              <a:rPr lang="en-US" sz="1200" dirty="0" err="1"/>
+              <a:t>kmeans.cluster_centers_.reshape</a:t>
+            </a:r>
+            <a:r>
+              <a:rPr lang="en-US" sz="1200" dirty="0"/>
+              <a:t>(10, 8, 8)</a:t>
             </a:r>
             <a:br>
-              <a:rPr lang="en-US" sz="1200"/>
+              <a:rPr lang="en-US" sz="1200" dirty="0"/>
             </a:br>
             <a:r>
-              <a:rPr lang="en-US" sz="1200"/>
-              <a:t>for axi, center in zip(ax.flat, centers):</a:t>
+              <a:rPr lang="en-US" sz="1200" dirty="0"/>
+              <a:t>for </a:t>
+            </a:r>
+            <a:r>
+              <a:rPr lang="en-US" sz="1200" dirty="0" err="1"/>
+              <a:t>axi</a:t>
+            </a:r>
+            <a:r>
+              <a:rPr lang="en-US" sz="1200" dirty="0"/>
+              <a:t>, center in zip(</a:t>
+            </a:r>
+            <a:r>
+              <a:rPr lang="en-US" sz="1200" dirty="0" err="1"/>
+              <a:t>ax.flat</a:t>
+            </a:r>
+            <a:r>
+              <a:rPr lang="en-US" sz="1200" dirty="0"/>
+              <a:t>, centers):</a:t>
             </a:r>
             <a:br>
-              <a:rPr lang="en-US" sz="1200"/>
+              <a:rPr lang="en-US" sz="1200" dirty="0"/>
             </a:br>
             <a:r>
-              <a:rPr lang="en-US" sz="1200"/>
-              <a:t>    axi.set(xticks=[], yticks=[])</a:t>
+              <a:rPr lang="en-US" sz="1200" dirty="0"/>
+              <a:t>    </a:t>
+            </a:r>
+            <a:r>
+              <a:rPr lang="en-US" sz="1200" dirty="0" err="1"/>
+              <a:t>axi.set</a:t>
+            </a:r>
+            <a:r>
+              <a:rPr lang="en-US" sz="1200" dirty="0"/>
+              <a:t>(</a:t>
+            </a:r>
+            <a:r>
+              <a:rPr lang="en-US" sz="1200" dirty="0" err="1"/>
+              <a:t>xticks</a:t>
+            </a:r>
+            <a:r>
+              <a:rPr lang="en-US" sz="1200" dirty="0"/>
+              <a:t>=[], </a:t>
+            </a:r>
+            <a:r>
+              <a:rPr lang="en-US" sz="1200" dirty="0" err="1"/>
+              <a:t>yticks</a:t>
+            </a:r>
+            <a:r>
+              <a:rPr lang="en-US" sz="1200" dirty="0"/>
+              <a:t>=[])</a:t>
             </a:r>
             <a:br>
-              <a:rPr lang="en-US" sz="1200"/>
+              <a:rPr lang="en-US" sz="1200" dirty="0"/>
             </a:br>
             <a:r>
-              <a:rPr lang="en-US" sz="1200"/>
-              <a:t>    axi.imshow(center, interpolation='nearest', cmap=plt.cm.binary)</a:t>
+              <a:rPr lang="en-US" sz="1200" dirty="0"/>
+              <a:t>    </a:t>
+            </a:r>
+            <a:r>
+              <a:rPr lang="en-US" sz="1200" dirty="0" err="1"/>
+              <a:t>axi.imshow</a:t>
+            </a:r>
+            <a:r>
+              <a:rPr lang="en-US" sz="1200" dirty="0"/>
+              <a:t>(center, interpolation='nearest', </a:t>
+            </a:r>
+            <a:r>
+              <a:rPr lang="en-US" sz="1200" dirty="0" err="1"/>
+              <a:t>cmap</a:t>
+            </a:r>
+            <a:r>
+              <a:rPr lang="en-US" sz="1200" dirty="0"/>
+              <a:t>=</a:t>
+            </a:r>
+            <a:r>
+              <a:rPr lang="en-US" sz="1200" dirty="0" err="1"/>
+              <a:t>plt.cm.binary</a:t>
+            </a:r>
+            <a:r>
+              <a:rPr lang="en-US" sz="1200" dirty="0"/>
+              <a:t>)</a:t>
             </a:r>
             <a:br>
-              <a:rPr lang="en-US" sz="1200"/>
+              <a:rPr lang="en-US" sz="1200" dirty="0"/>
             </a:br>
-            <a:endParaRPr sz="1200"/>
+            <a:endParaRPr sz="1200" dirty="0"/>
           </a:p>
         </p:txBody>
       </p:sp>
@@ -11599,10 +12380,17 @@
   <p:clrMapOvr>
     <a:masterClrMapping/>
   </p:clrMapOvr>
+  <p:timing>
+    <p:tnLst>
+      <p:par>
+        <p:cTn id="1" dur="indefinite" restart="never" nodeType="tmRoot"/>
+      </p:par>
+    </p:tnLst>
+  </p:timing>
 </p:sld>
 </file>
 
-<file path=ppt/slides/slide16.xml><?xml version="1.0" encoding="utf-8"?>
+<file path=ppt/slides/slide18.xml><?xml version="1.0" encoding="utf-8"?>
 <p:sld xmlns:a="http://schemas.openxmlformats.org/drawingml/2006/main" xmlns:r="http://schemas.openxmlformats.org/officeDocument/2006/relationships" xmlns:p="http://schemas.openxmlformats.org/presentationml/2006/main">
   <p:cSld>
     <p:spTree>
@@ -11907,10 +12695,17 @@
   <p:clrMapOvr>
     <a:masterClrMapping/>
   </p:clrMapOvr>
+  <p:timing>
+    <p:tnLst>
+      <p:par>
+        <p:cTn id="1" dur="indefinite" restart="never" nodeType="tmRoot"/>
+      </p:par>
+    </p:tnLst>
+  </p:timing>
 </p:sld>
 </file>
 
-<file path=ppt/slides/slide17.xml><?xml version="1.0" encoding="utf-8"?>
+<file path=ppt/slides/slide19.xml><?xml version="1.0" encoding="utf-8"?>
 <p:sld xmlns:a="http://schemas.openxmlformats.org/drawingml/2006/main" xmlns:r="http://schemas.openxmlformats.org/officeDocument/2006/relationships" xmlns:p="http://schemas.openxmlformats.org/presentationml/2006/main">
   <p:cSld>
     <p:spTree>
@@ -12064,10 +12859,237 @@
   <p:clrMapOvr>
     <a:masterClrMapping/>
   </p:clrMapOvr>
+  <p:timing>
+    <p:tnLst>
+      <p:par>
+        <p:cTn id="1" dur="indefinite" restart="never" nodeType="tmRoot"/>
+      </p:par>
+    </p:tnLst>
+  </p:timing>
 </p:sld>
 </file>
 
-<file path=ppt/slides/slide18.xml><?xml version="1.0" encoding="utf-8"?>
+<file path=ppt/slides/slide2.xml><?xml version="1.0" encoding="utf-8"?>
+<p:sld xmlns:a="http://schemas.openxmlformats.org/drawingml/2006/main" xmlns:r="http://schemas.openxmlformats.org/officeDocument/2006/relationships" xmlns:p="http://schemas.openxmlformats.org/presentationml/2006/main">
+  <p:cSld>
+    <p:bg>
+      <p:bgPr>
+        <a:solidFill>
+          <a:schemeClr val="lt1"/>
+        </a:solidFill>
+        <a:effectLst/>
+      </p:bgPr>
+    </p:bg>
+    <p:spTree>
+      <p:nvGrpSpPr>
+        <p:cNvPr id="1" name="Shape 67"/>
+        <p:cNvGrpSpPr/>
+        <p:nvPr/>
+      </p:nvGrpSpPr>
+      <p:grpSpPr>
+        <a:xfrm>
+          <a:off x="0" y="0"/>
+          <a:ext cx="0" cy="0"/>
+          <a:chOff x="0" y="0"/>
+          <a:chExt cx="0" cy="0"/>
+        </a:xfrm>
+      </p:grpSpPr>
+      <p:sp>
+        <p:nvSpPr>
+          <p:cNvPr id="68" name="Shape 68"/>
+          <p:cNvSpPr txBox="1">
+            <a:spLocks noGrp="1"/>
+          </p:cNvSpPr>
+          <p:nvPr>
+            <p:ph type="title"/>
+          </p:nvPr>
+        </p:nvSpPr>
+        <p:spPr>
+          <a:xfrm>
+            <a:off x="311700" y="593367"/>
+            <a:ext cx="8520600" cy="763500"/>
+          </a:xfrm>
+          <a:prstGeom prst="rect">
+            <a:avLst/>
+          </a:prstGeom>
+          <a:noFill/>
+          <a:ln>
+            <a:noFill/>
+          </a:ln>
+        </p:spPr>
+        <p:txBody>
+          <a:bodyPr spcFirstLastPara="1" wrap="square" lIns="91425" tIns="45700" rIns="91425" bIns="45700" anchor="ctr" anchorCtr="0">
+            <a:noAutofit/>
+          </a:bodyPr>
+          <a:lstStyle/>
+          <a:p>
+            <a:pPr marL="0" marR="0" lvl="0" indent="0" algn="l" rtl="0">
+              <a:lnSpc>
+                <a:spcPct val="100000"/>
+              </a:lnSpc>
+              <a:spcBef>
+                <a:spcPts val="0"/>
+              </a:spcBef>
+              <a:spcAft>
+                <a:spcPts val="0"/>
+              </a:spcAft>
+              <a:buClr>
+                <a:schemeClr val="dk2"/>
+              </a:buClr>
+              <a:buFont typeface="Arial"/>
+              <a:buNone/>
+            </a:pPr>
+            <a:r>
+              <a:rPr lang="en-US" sz="4200">
+                <a:solidFill>
+                  <a:schemeClr val="dk2"/>
+                </a:solidFill>
+              </a:rPr>
+              <a:t>Unsupervised Learning</a:t>
+            </a:r>
+            <a:endParaRPr/>
+          </a:p>
+        </p:txBody>
+      </p:sp>
+      <p:sp>
+        <p:nvSpPr>
+          <p:cNvPr id="69" name="Shape 69"/>
+          <p:cNvSpPr txBox="1">
+            <a:spLocks noGrp="1"/>
+          </p:cNvSpPr>
+          <p:nvPr>
+            <p:ph type="body" idx="1"/>
+          </p:nvPr>
+        </p:nvSpPr>
+        <p:spPr>
+          <a:xfrm>
+            <a:off x="311700" y="1536633"/>
+            <a:ext cx="8520600" cy="4555200"/>
+          </a:xfrm>
+          <a:prstGeom prst="rect">
+            <a:avLst/>
+          </a:prstGeom>
+          <a:noFill/>
+          <a:ln>
+            <a:noFill/>
+          </a:ln>
+        </p:spPr>
+        <p:txBody>
+          <a:bodyPr spcFirstLastPara="1" wrap="square" lIns="91425" tIns="45700" rIns="91425" bIns="45700" anchor="t" anchorCtr="0">
+            <a:noAutofit/>
+          </a:bodyPr>
+          <a:lstStyle/>
+          <a:p>
+            <a:pPr marL="342900" marR="0" lvl="0" indent="-245109" algn="l" rtl="0">
+              <a:lnSpc>
+                <a:spcPct val="100000"/>
+              </a:lnSpc>
+              <a:spcBef>
+                <a:spcPts val="440"/>
+              </a:spcBef>
+              <a:spcAft>
+                <a:spcPts val="0"/>
+              </a:spcAft>
+              <a:buClr>
+                <a:schemeClr val="dk1"/>
+              </a:buClr>
+              <a:buSzPts val="1540"/>
+              <a:buFont typeface="Noto Sans Symbols"/>
+              <a:buNone/>
+            </a:pPr>
+            <a:r>
+              <a:rPr lang="en-US" sz="2200"/>
+              <a:t>Here we will discuss a class of unsupervised machine learning models: </a:t>
+            </a:r>
+            <a:r>
+              <a:rPr lang="en-US" sz="2200" i="1"/>
+              <a:t>clustering algorithms. </a:t>
+            </a:r>
+            <a:endParaRPr sz="2200" i="1"/>
+          </a:p>
+          <a:p>
+            <a:pPr marL="342900" marR="0" lvl="0" indent="-245109" algn="l" rtl="0">
+              <a:lnSpc>
+                <a:spcPct val="100000"/>
+              </a:lnSpc>
+              <a:spcBef>
+                <a:spcPts val="440"/>
+              </a:spcBef>
+              <a:spcAft>
+                <a:spcPts val="0"/>
+              </a:spcAft>
+              <a:buClr>
+                <a:schemeClr val="dk1"/>
+              </a:buClr>
+              <a:buSzPts val="1540"/>
+              <a:buFont typeface="Noto Sans Symbols"/>
+              <a:buNone/>
+            </a:pPr>
+            <a:r>
+              <a:rPr lang="en-US" sz="2200"/>
+              <a:t>Clustering algorithms seek to learn, from the properties of the data, an optimal </a:t>
+            </a:r>
+            <a:r>
+              <a:rPr lang="en-US" sz="2200" i="1"/>
+              <a:t>division</a:t>
+            </a:r>
+            <a:r>
+              <a:rPr lang="en-US" sz="2200"/>
+              <a:t> or discrete labeling of </a:t>
+            </a:r>
+            <a:r>
+              <a:rPr lang="en-US" sz="2200" i="1"/>
+              <a:t>groups of points</a:t>
+            </a:r>
+            <a:r>
+              <a:rPr lang="en-US" sz="2200"/>
+              <a:t>.</a:t>
+            </a:r>
+            <a:endParaRPr sz="2200"/>
+          </a:p>
+          <a:p>
+            <a:pPr marL="342900" marR="0" lvl="0" indent="-245109" algn="l" rtl="0">
+              <a:lnSpc>
+                <a:spcPct val="100000"/>
+              </a:lnSpc>
+              <a:spcBef>
+                <a:spcPts val="440"/>
+              </a:spcBef>
+              <a:spcAft>
+                <a:spcPts val="0"/>
+              </a:spcAft>
+              <a:buClr>
+                <a:schemeClr val="dk1"/>
+              </a:buClr>
+              <a:buSzPts val="1540"/>
+              <a:buFont typeface="Noto Sans Symbols"/>
+              <a:buNone/>
+            </a:pPr>
+            <a:r>
+              <a:rPr lang="en-US" sz="2200"/>
+              <a:t>Perhaps the most popular clustering algorithm is the </a:t>
+            </a:r>
+            <a:r>
+              <a:rPr lang="en-US" sz="2200" i="1"/>
+              <a:t>k-means</a:t>
+            </a:r>
+            <a:r>
+              <a:rPr lang="en-US" sz="2200"/>
+              <a:t> algorithm.</a:t>
+            </a:r>
+            <a:endParaRPr sz="2200"/>
+          </a:p>
+        </p:txBody>
+      </p:sp>
+    </p:spTree>
+  </p:cSld>
+  <p:clrMapOvr>
+    <a:masterClrMapping/>
+  </p:clrMapOvr>
+</p:sld>
+</file>
+
+<file path=ppt/slides/slide20.xml><?xml version="1.0" encoding="utf-8"?>
 <p:sld xmlns:a="http://schemas.openxmlformats.org/drawingml/2006/main" xmlns:r="http://schemas.openxmlformats.org/officeDocument/2006/relationships" xmlns:p="http://schemas.openxmlformats.org/presentationml/2006/main">
   <p:cSld>
     <p:spTree>
@@ -12417,10 +13439,17 @@
   <p:clrMapOvr>
     <a:masterClrMapping/>
   </p:clrMapOvr>
+  <p:timing>
+    <p:tnLst>
+      <p:par>
+        <p:cTn id="1" dur="indefinite" restart="never" nodeType="tmRoot"/>
+      </p:par>
+    </p:tnLst>
+  </p:timing>
 </p:sld>
 </file>
 
-<file path=ppt/slides/slide19.xml><?xml version="1.0" encoding="utf-8"?>
+<file path=ppt/slides/slide21.xml><?xml version="1.0" encoding="utf-8"?>
 <p:sld xmlns:a="http://schemas.openxmlformats.org/drawingml/2006/main" xmlns:r="http://schemas.openxmlformats.org/officeDocument/2006/relationships" xmlns:p="http://schemas.openxmlformats.org/presentationml/2006/main">
   <p:cSld>
     <p:spTree>
@@ -12671,227 +13700,7 @@
 </p:sld>
 </file>
 
-<file path=ppt/slides/slide2.xml><?xml version="1.0" encoding="utf-8"?>
-<p:sld xmlns:a="http://schemas.openxmlformats.org/drawingml/2006/main" xmlns:r="http://schemas.openxmlformats.org/officeDocument/2006/relationships" xmlns:p="http://schemas.openxmlformats.org/presentationml/2006/main">
-  <p:cSld>
-    <p:bg>
-      <p:bgPr>
-        <a:solidFill>
-          <a:schemeClr val="lt1"/>
-        </a:solidFill>
-        <a:effectLst/>
-      </p:bgPr>
-    </p:bg>
-    <p:spTree>
-      <p:nvGrpSpPr>
-        <p:cNvPr id="1" name="Shape 67"/>
-        <p:cNvGrpSpPr/>
-        <p:nvPr/>
-      </p:nvGrpSpPr>
-      <p:grpSpPr>
-        <a:xfrm>
-          <a:off x="0" y="0"/>
-          <a:ext cx="0" cy="0"/>
-          <a:chOff x="0" y="0"/>
-          <a:chExt cx="0" cy="0"/>
-        </a:xfrm>
-      </p:grpSpPr>
-      <p:sp>
-        <p:nvSpPr>
-          <p:cNvPr id="68" name="Shape 68"/>
-          <p:cNvSpPr txBox="1">
-            <a:spLocks noGrp="1"/>
-          </p:cNvSpPr>
-          <p:nvPr>
-            <p:ph type="title"/>
-          </p:nvPr>
-        </p:nvSpPr>
-        <p:spPr>
-          <a:xfrm>
-            <a:off x="311700" y="593367"/>
-            <a:ext cx="8520600" cy="763500"/>
-          </a:xfrm>
-          <a:prstGeom prst="rect">
-            <a:avLst/>
-          </a:prstGeom>
-          <a:noFill/>
-          <a:ln>
-            <a:noFill/>
-          </a:ln>
-        </p:spPr>
-        <p:txBody>
-          <a:bodyPr spcFirstLastPara="1" wrap="square" lIns="91425" tIns="45700" rIns="91425" bIns="45700" anchor="ctr" anchorCtr="0">
-            <a:noAutofit/>
-          </a:bodyPr>
-          <a:lstStyle/>
-          <a:p>
-            <a:pPr marL="0" marR="0" lvl="0" indent="0" algn="l" rtl="0">
-              <a:lnSpc>
-                <a:spcPct val="100000"/>
-              </a:lnSpc>
-              <a:spcBef>
-                <a:spcPts val="0"/>
-              </a:spcBef>
-              <a:spcAft>
-                <a:spcPts val="0"/>
-              </a:spcAft>
-              <a:buClr>
-                <a:schemeClr val="dk2"/>
-              </a:buClr>
-              <a:buFont typeface="Arial"/>
-              <a:buNone/>
-            </a:pPr>
-            <a:r>
-              <a:rPr lang="en-US" sz="4200">
-                <a:solidFill>
-                  <a:schemeClr val="dk2"/>
-                </a:solidFill>
-              </a:rPr>
-              <a:t>Unsupervised Learning</a:t>
-            </a:r>
-            <a:endParaRPr/>
-          </a:p>
-        </p:txBody>
-      </p:sp>
-      <p:sp>
-        <p:nvSpPr>
-          <p:cNvPr id="69" name="Shape 69"/>
-          <p:cNvSpPr txBox="1">
-            <a:spLocks noGrp="1"/>
-          </p:cNvSpPr>
-          <p:nvPr>
-            <p:ph type="body" idx="1"/>
-          </p:nvPr>
-        </p:nvSpPr>
-        <p:spPr>
-          <a:xfrm>
-            <a:off x="311700" y="1536633"/>
-            <a:ext cx="8520600" cy="4555200"/>
-          </a:xfrm>
-          <a:prstGeom prst="rect">
-            <a:avLst/>
-          </a:prstGeom>
-          <a:noFill/>
-          <a:ln>
-            <a:noFill/>
-          </a:ln>
-        </p:spPr>
-        <p:txBody>
-          <a:bodyPr spcFirstLastPara="1" wrap="square" lIns="91425" tIns="45700" rIns="91425" bIns="45700" anchor="t" anchorCtr="0">
-            <a:noAutofit/>
-          </a:bodyPr>
-          <a:lstStyle/>
-          <a:p>
-            <a:pPr marL="342900" marR="0" lvl="0" indent="-245109" algn="l" rtl="0">
-              <a:lnSpc>
-                <a:spcPct val="100000"/>
-              </a:lnSpc>
-              <a:spcBef>
-                <a:spcPts val="440"/>
-              </a:spcBef>
-              <a:spcAft>
-                <a:spcPts val="0"/>
-              </a:spcAft>
-              <a:buClr>
-                <a:schemeClr val="dk1"/>
-              </a:buClr>
-              <a:buSzPts val="1540"/>
-              <a:buFont typeface="Noto Sans Symbols"/>
-              <a:buNone/>
-            </a:pPr>
-            <a:r>
-              <a:rPr lang="en-US" sz="2200"/>
-              <a:t>Here we will discuss a class of unsupervised machine learning models: </a:t>
-            </a:r>
-            <a:r>
-              <a:rPr lang="en-US" sz="2200" i="1"/>
-              <a:t>clustering algorithms. </a:t>
-            </a:r>
-            <a:endParaRPr sz="2200" i="1"/>
-          </a:p>
-          <a:p>
-            <a:pPr marL="342900" marR="0" lvl="0" indent="-245109" algn="l" rtl="0">
-              <a:lnSpc>
-                <a:spcPct val="100000"/>
-              </a:lnSpc>
-              <a:spcBef>
-                <a:spcPts val="440"/>
-              </a:spcBef>
-              <a:spcAft>
-                <a:spcPts val="0"/>
-              </a:spcAft>
-              <a:buClr>
-                <a:schemeClr val="dk1"/>
-              </a:buClr>
-              <a:buSzPts val="1540"/>
-              <a:buFont typeface="Noto Sans Symbols"/>
-              <a:buNone/>
-            </a:pPr>
-            <a:r>
-              <a:rPr lang="en-US" sz="2200"/>
-              <a:t>Clustering algorithms seek to learn, from the properties of the data, an optimal </a:t>
-            </a:r>
-            <a:r>
-              <a:rPr lang="en-US" sz="2200" i="1"/>
-              <a:t>division</a:t>
-            </a:r>
-            <a:r>
-              <a:rPr lang="en-US" sz="2200"/>
-              <a:t> or discrete labeling of </a:t>
-            </a:r>
-            <a:r>
-              <a:rPr lang="en-US" sz="2200" i="1"/>
-              <a:t>groups of points</a:t>
-            </a:r>
-            <a:r>
-              <a:rPr lang="en-US" sz="2200"/>
-              <a:t>.</a:t>
-            </a:r>
-            <a:endParaRPr sz="2200"/>
-          </a:p>
-          <a:p>
-            <a:pPr marL="342900" marR="0" lvl="0" indent="-245109" algn="l" rtl="0">
-              <a:lnSpc>
-                <a:spcPct val="100000"/>
-              </a:lnSpc>
-              <a:spcBef>
-                <a:spcPts val="440"/>
-              </a:spcBef>
-              <a:spcAft>
-                <a:spcPts val="0"/>
-              </a:spcAft>
-              <a:buClr>
-                <a:schemeClr val="dk1"/>
-              </a:buClr>
-              <a:buSzPts val="1540"/>
-              <a:buFont typeface="Noto Sans Symbols"/>
-              <a:buNone/>
-            </a:pPr>
-            <a:r>
-              <a:rPr lang="en-US" sz="2200"/>
-              <a:t>Perhaps the most popular clustering algorithm is the </a:t>
-            </a:r>
-            <a:r>
-              <a:rPr lang="en-US" sz="2200" i="1"/>
-              <a:t>k-means</a:t>
-            </a:r>
-            <a:r>
-              <a:rPr lang="en-US" sz="2200"/>
-              <a:t> algorithm.</a:t>
-            </a:r>
-            <a:endParaRPr sz="2200"/>
-          </a:p>
-        </p:txBody>
-      </p:sp>
-    </p:spTree>
-  </p:cSld>
-  <p:clrMapOvr>
-    <a:masterClrMapping/>
-  </p:clrMapOvr>
-</p:sld>
-</file>
-
-<file path=ppt/slides/slide20.xml><?xml version="1.0" encoding="utf-8"?>
+<file path=ppt/slides/slide22.xml><?xml version="1.0" encoding="utf-8"?>
 <p:sld xmlns:a="http://schemas.openxmlformats.org/drawingml/2006/main" xmlns:r="http://schemas.openxmlformats.org/officeDocument/2006/relationships" xmlns:p="http://schemas.openxmlformats.org/presentationml/2006/main">
   <p:cSld>
     <p:spTree>
@@ -13096,19 +13905,7 @@
             </a:r>
             <a:r>
               <a:rPr lang="en-US" dirty="0" smtClean="0"/>
-              <a:t> </a:t>
-            </a:r>
-            <a:r>
-              <a:rPr lang="en-US" dirty="0" smtClean="0"/>
-              <a:t>classification, regression </a:t>
-            </a:r>
-            <a:r>
-              <a:rPr lang="en-US" dirty="0" smtClean="0"/>
-              <a:t>or </a:t>
-            </a:r>
-            <a:r>
-              <a:rPr lang="en-US" dirty="0" smtClean="0"/>
-              <a:t>clustering</a:t>
+              <a:t> classification, regression or clustering</a:t>
             </a:r>
           </a:p>
           <a:p>
